--- a/Lecture/Web Scraping 2/Web_Scraping_2_Lecture.pptx
+++ b/Lecture/Web Scraping 2/Web_Scraping_2_Lecture.pptx
@@ -299,7 +299,7 @@
               <a:pPr>
                 <a:defRPr/>
               </a:pPr>
-              <a:t>2/14/2019</a:t>
+              <a:t>7/1/2020</a:t>
             </a:fld>
             <a:endParaRPr lang="en-US" dirty="0"/>
           </a:p>
@@ -511,7 +511,7 @@
               <a:pPr>
                 <a:defRPr/>
               </a:pPr>
-              <a:t>2/14/2019</a:t>
+              <a:t>7/1/2020</a:t>
             </a:fld>
             <a:endParaRPr lang="en-US" dirty="0"/>
           </a:p>
@@ -1030,7 +1030,7 @@
               <a:pPr>
                 <a:defRPr/>
               </a:pPr>
-              <a:t>2/14/2019</a:t>
+              <a:t>7/1/2020</a:t>
             </a:fld>
             <a:endParaRPr lang="en-US" dirty="0"/>
           </a:p>
@@ -1220,7 +1220,7 @@
               <a:pPr>
                 <a:defRPr/>
               </a:pPr>
-              <a:t>2/14/2019</a:t>
+              <a:t>7/1/2020</a:t>
             </a:fld>
             <a:endParaRPr lang="en-US" dirty="0"/>
           </a:p>
@@ -1420,7 +1420,7 @@
               <a:pPr>
                 <a:defRPr/>
               </a:pPr>
-              <a:t>2/14/2019</a:t>
+              <a:t>7/1/2020</a:t>
             </a:fld>
             <a:endParaRPr lang="en-US" dirty="0"/>
           </a:p>
@@ -1688,7 +1688,7 @@
               <a:pPr>
                 <a:defRPr/>
               </a:pPr>
-              <a:t>2/14/2019</a:t>
+              <a:t>7/1/2020</a:t>
             </a:fld>
             <a:endParaRPr lang="en-US" dirty="0">
               <a:solidFill>
@@ -1902,7 +1902,7 @@
               <a:pPr>
                 <a:defRPr/>
               </a:pPr>
-              <a:t>2/14/2019</a:t>
+              <a:t>7/1/2020</a:t>
             </a:fld>
             <a:endParaRPr lang="en-US" dirty="0">
               <a:solidFill>
@@ -2193,7 +2193,7 @@
               <a:pPr>
                 <a:defRPr/>
               </a:pPr>
-              <a:t>2/14/2019</a:t>
+              <a:t>7/1/2020</a:t>
             </a:fld>
             <a:endParaRPr lang="en-US" dirty="0">
               <a:solidFill>
@@ -2524,7 +2524,7 @@
               <a:pPr>
                 <a:defRPr/>
               </a:pPr>
-              <a:t>2/14/2019</a:t>
+              <a:t>7/1/2020</a:t>
             </a:fld>
             <a:endParaRPr lang="en-US" dirty="0">
               <a:solidFill>
@@ -2989,7 +2989,7 @@
               <a:pPr>
                 <a:defRPr/>
               </a:pPr>
-              <a:t>2/14/2019</a:t>
+              <a:t>7/1/2020</a:t>
             </a:fld>
             <a:endParaRPr lang="en-US" dirty="0">
               <a:solidFill>
@@ -3152,7 +3152,7 @@
               <a:pPr>
                 <a:defRPr/>
               </a:pPr>
-              <a:t>2/14/2019</a:t>
+              <a:t>7/1/2020</a:t>
             </a:fld>
             <a:endParaRPr lang="en-US" dirty="0">
               <a:solidFill>
@@ -3293,7 +3293,7 @@
               <a:pPr>
                 <a:defRPr/>
               </a:pPr>
-              <a:t>2/14/2019</a:t>
+              <a:t>7/1/2020</a:t>
             </a:fld>
             <a:endParaRPr lang="en-US" dirty="0">
               <a:solidFill>
@@ -3614,7 +3614,7 @@
               <a:pPr>
                 <a:defRPr/>
               </a:pPr>
-              <a:t>2/14/2019</a:t>
+              <a:t>7/1/2020</a:t>
             </a:fld>
             <a:endParaRPr lang="en-US" dirty="0">
               <a:solidFill>
@@ -3822,7 +3822,7 @@
               <a:pPr>
                 <a:defRPr/>
               </a:pPr>
-              <a:t>2/14/2019</a:t>
+              <a:t>7/1/2020</a:t>
             </a:fld>
             <a:endParaRPr lang="en-US" dirty="0"/>
           </a:p>
@@ -4105,7 +4105,7 @@
               <a:pPr>
                 <a:defRPr/>
               </a:pPr>
-              <a:t>2/14/2019</a:t>
+              <a:t>7/1/2020</a:t>
             </a:fld>
             <a:endParaRPr lang="en-US" dirty="0">
               <a:solidFill>
@@ -4319,7 +4319,7 @@
               <a:pPr>
                 <a:defRPr/>
               </a:pPr>
-              <a:t>2/14/2019</a:t>
+              <a:t>7/1/2020</a:t>
             </a:fld>
             <a:endParaRPr lang="en-US" dirty="0">
               <a:solidFill>
@@ -4543,7 +4543,7 @@
               <a:pPr>
                 <a:defRPr/>
               </a:pPr>
-              <a:t>2/14/2019</a:t>
+              <a:t>7/1/2020</a:t>
             </a:fld>
             <a:endParaRPr lang="en-US" dirty="0">
               <a:solidFill>
@@ -4753,7 +4753,7 @@
               <a:pPr>
                 <a:defRPr/>
               </a:pPr>
-              <a:t>2/14/2019</a:t>
+              <a:t>7/1/2020</a:t>
             </a:fld>
             <a:endParaRPr lang="en-US" dirty="0">
               <a:solidFill>
@@ -5030,7 +5030,7 @@
               <a:pPr>
                 <a:defRPr/>
               </a:pPr>
-              <a:t>2/14/2019</a:t>
+              <a:t>7/1/2020</a:t>
             </a:fld>
             <a:endParaRPr lang="en-US" dirty="0"/>
           </a:p>
@@ -5337,7 +5337,7 @@
               <a:pPr>
                 <a:defRPr/>
               </a:pPr>
-              <a:t>2/14/2019</a:t>
+              <a:t>7/1/2020</a:t>
             </a:fld>
             <a:endParaRPr lang="en-US" dirty="0"/>
           </a:p>
@@ -5778,7 +5778,7 @@
               <a:pPr>
                 <a:defRPr/>
               </a:pPr>
-              <a:t>2/14/2019</a:t>
+              <a:t>7/1/2020</a:t>
             </a:fld>
             <a:endParaRPr lang="en-US" dirty="0"/>
           </a:p>
@@ -5917,7 +5917,7 @@
               <a:pPr>
                 <a:defRPr/>
               </a:pPr>
-              <a:t>2/14/2019</a:t>
+              <a:t>7/1/2020</a:t>
             </a:fld>
             <a:endParaRPr lang="en-US" dirty="0"/>
           </a:p>
@@ -6034,7 +6034,7 @@
               <a:pPr>
                 <a:defRPr/>
               </a:pPr>
-              <a:t>2/14/2019</a:t>
+              <a:t>7/1/2020</a:t>
             </a:fld>
             <a:endParaRPr lang="en-US" dirty="0"/>
           </a:p>
@@ -6331,7 +6331,7 @@
               <a:pPr>
                 <a:defRPr/>
               </a:pPr>
-              <a:t>2/14/2019</a:t>
+              <a:t>7/1/2020</a:t>
             </a:fld>
             <a:endParaRPr lang="en-US" dirty="0"/>
           </a:p>
@@ -6608,7 +6608,7 @@
               <a:pPr>
                 <a:defRPr/>
               </a:pPr>
-              <a:t>2/14/2019</a:t>
+              <a:t>7/1/2020</a:t>
             </a:fld>
             <a:endParaRPr lang="en-US" dirty="0"/>
           </a:p>
@@ -6865,7 +6865,7 @@
               <a:pPr>
                 <a:defRPr/>
               </a:pPr>
-              <a:t>2/14/2019</a:t>
+              <a:t>7/1/2020</a:t>
             </a:fld>
             <a:endParaRPr lang="en-US" dirty="0"/>
           </a:p>
@@ -7575,7 +7575,7 @@
               <a:pPr>
                 <a:defRPr/>
               </a:pPr>
-              <a:t>2/14/2019</a:t>
+              <a:t>7/1/2020</a:t>
             </a:fld>
             <a:endParaRPr lang="en-US" dirty="0">
               <a:solidFill>
@@ -10904,7 +10904,23 @@
                   <a:srgbClr val="404040"/>
                 </a:solidFill>
               </a:rPr>
-              <a:t>Final 3 Data Frames From    Tutorial 7 Should All Be Saved to CSV’s on PC</a:t>
+              <a:t>Final 3 Data </a:t>
+            </a:r>
+            <a:r>
+              <a:rPr lang="en-US">
+                <a:solidFill>
+                  <a:srgbClr val="404040"/>
+                </a:solidFill>
+              </a:rPr>
+              <a:t>Frames From Last    Tutorial Should </a:t>
+            </a:r>
+            <a:r>
+              <a:rPr lang="en-US" dirty="0">
+                <a:solidFill>
+                  <a:srgbClr val="404040"/>
+                </a:solidFill>
+              </a:rPr>
+              <a:t>All Be Saved to CSV’s on PC</a:t>
             </a:r>
           </a:p>
           <a:p>

--- a/Lecture/Web Scraping 2/Web_Scraping_2_Lecture.pptx
+++ b/Lecture/Web Scraping 2/Web_Scraping_2_Lecture.pptx
@@ -299,7 +299,7 @@
               <a:pPr>
                 <a:defRPr/>
               </a:pPr>
-              <a:t>7/1/2020</a:t>
+              <a:t>9/18/2020</a:t>
             </a:fld>
             <a:endParaRPr lang="en-US" dirty="0"/>
           </a:p>
@@ -511,7 +511,7 @@
               <a:pPr>
                 <a:defRPr/>
               </a:pPr>
-              <a:t>7/1/2020</a:t>
+              <a:t>9/18/2020</a:t>
             </a:fld>
             <a:endParaRPr lang="en-US" dirty="0"/>
           </a:p>
@@ -1030,7 +1030,7 @@
               <a:pPr>
                 <a:defRPr/>
               </a:pPr>
-              <a:t>7/1/2020</a:t>
+              <a:t>9/18/2020</a:t>
             </a:fld>
             <a:endParaRPr lang="en-US" dirty="0"/>
           </a:p>
@@ -1220,7 +1220,7 @@
               <a:pPr>
                 <a:defRPr/>
               </a:pPr>
-              <a:t>7/1/2020</a:t>
+              <a:t>9/18/2020</a:t>
             </a:fld>
             <a:endParaRPr lang="en-US" dirty="0"/>
           </a:p>
@@ -1420,7 +1420,7 @@
               <a:pPr>
                 <a:defRPr/>
               </a:pPr>
-              <a:t>7/1/2020</a:t>
+              <a:t>9/18/2020</a:t>
             </a:fld>
             <a:endParaRPr lang="en-US" dirty="0"/>
           </a:p>
@@ -1688,7 +1688,7 @@
               <a:pPr>
                 <a:defRPr/>
               </a:pPr>
-              <a:t>7/1/2020</a:t>
+              <a:t>9/18/2020</a:t>
             </a:fld>
             <a:endParaRPr lang="en-US" dirty="0">
               <a:solidFill>
@@ -1902,7 +1902,7 @@
               <a:pPr>
                 <a:defRPr/>
               </a:pPr>
-              <a:t>7/1/2020</a:t>
+              <a:t>9/18/2020</a:t>
             </a:fld>
             <a:endParaRPr lang="en-US" dirty="0">
               <a:solidFill>
@@ -2193,7 +2193,7 @@
               <a:pPr>
                 <a:defRPr/>
               </a:pPr>
-              <a:t>7/1/2020</a:t>
+              <a:t>9/18/2020</a:t>
             </a:fld>
             <a:endParaRPr lang="en-US" dirty="0">
               <a:solidFill>
@@ -2524,7 +2524,7 @@
               <a:pPr>
                 <a:defRPr/>
               </a:pPr>
-              <a:t>7/1/2020</a:t>
+              <a:t>9/18/2020</a:t>
             </a:fld>
             <a:endParaRPr lang="en-US" dirty="0">
               <a:solidFill>
@@ -2989,7 +2989,7 @@
               <a:pPr>
                 <a:defRPr/>
               </a:pPr>
-              <a:t>7/1/2020</a:t>
+              <a:t>9/18/2020</a:t>
             </a:fld>
             <a:endParaRPr lang="en-US" dirty="0">
               <a:solidFill>
@@ -3152,7 +3152,7 @@
               <a:pPr>
                 <a:defRPr/>
               </a:pPr>
-              <a:t>7/1/2020</a:t>
+              <a:t>9/18/2020</a:t>
             </a:fld>
             <a:endParaRPr lang="en-US" dirty="0">
               <a:solidFill>
@@ -3293,7 +3293,7 @@
               <a:pPr>
                 <a:defRPr/>
               </a:pPr>
-              <a:t>7/1/2020</a:t>
+              <a:t>9/18/2020</a:t>
             </a:fld>
             <a:endParaRPr lang="en-US" dirty="0">
               <a:solidFill>
@@ -3614,7 +3614,7 @@
               <a:pPr>
                 <a:defRPr/>
               </a:pPr>
-              <a:t>7/1/2020</a:t>
+              <a:t>9/18/2020</a:t>
             </a:fld>
             <a:endParaRPr lang="en-US" dirty="0">
               <a:solidFill>
@@ -3822,7 +3822,7 @@
               <a:pPr>
                 <a:defRPr/>
               </a:pPr>
-              <a:t>7/1/2020</a:t>
+              <a:t>9/18/2020</a:t>
             </a:fld>
             <a:endParaRPr lang="en-US" dirty="0"/>
           </a:p>
@@ -4105,7 +4105,7 @@
               <a:pPr>
                 <a:defRPr/>
               </a:pPr>
-              <a:t>7/1/2020</a:t>
+              <a:t>9/18/2020</a:t>
             </a:fld>
             <a:endParaRPr lang="en-US" dirty="0">
               <a:solidFill>
@@ -4319,7 +4319,7 @@
               <a:pPr>
                 <a:defRPr/>
               </a:pPr>
-              <a:t>7/1/2020</a:t>
+              <a:t>9/18/2020</a:t>
             </a:fld>
             <a:endParaRPr lang="en-US" dirty="0">
               <a:solidFill>
@@ -4543,7 +4543,7 @@
               <a:pPr>
                 <a:defRPr/>
               </a:pPr>
-              <a:t>7/1/2020</a:t>
+              <a:t>9/18/2020</a:t>
             </a:fld>
             <a:endParaRPr lang="en-US" dirty="0">
               <a:solidFill>
@@ -4753,7 +4753,7 @@
               <a:pPr>
                 <a:defRPr/>
               </a:pPr>
-              <a:t>7/1/2020</a:t>
+              <a:t>9/18/2020</a:t>
             </a:fld>
             <a:endParaRPr lang="en-US" dirty="0">
               <a:solidFill>
@@ -5030,7 +5030,7 @@
               <a:pPr>
                 <a:defRPr/>
               </a:pPr>
-              <a:t>7/1/2020</a:t>
+              <a:t>9/18/2020</a:t>
             </a:fld>
             <a:endParaRPr lang="en-US" dirty="0"/>
           </a:p>
@@ -5337,7 +5337,7 @@
               <a:pPr>
                 <a:defRPr/>
               </a:pPr>
-              <a:t>7/1/2020</a:t>
+              <a:t>9/18/2020</a:t>
             </a:fld>
             <a:endParaRPr lang="en-US" dirty="0"/>
           </a:p>
@@ -5778,7 +5778,7 @@
               <a:pPr>
                 <a:defRPr/>
               </a:pPr>
-              <a:t>7/1/2020</a:t>
+              <a:t>9/18/2020</a:t>
             </a:fld>
             <a:endParaRPr lang="en-US" dirty="0"/>
           </a:p>
@@ -5917,7 +5917,7 @@
               <a:pPr>
                 <a:defRPr/>
               </a:pPr>
-              <a:t>7/1/2020</a:t>
+              <a:t>9/18/2020</a:t>
             </a:fld>
             <a:endParaRPr lang="en-US" dirty="0"/>
           </a:p>
@@ -6034,7 +6034,7 @@
               <a:pPr>
                 <a:defRPr/>
               </a:pPr>
-              <a:t>7/1/2020</a:t>
+              <a:t>9/18/2020</a:t>
             </a:fld>
             <a:endParaRPr lang="en-US" dirty="0"/>
           </a:p>
@@ -6331,7 +6331,7 @@
               <a:pPr>
                 <a:defRPr/>
               </a:pPr>
-              <a:t>7/1/2020</a:t>
+              <a:t>9/18/2020</a:t>
             </a:fld>
             <a:endParaRPr lang="en-US" dirty="0"/>
           </a:p>
@@ -6608,7 +6608,7 @@
               <a:pPr>
                 <a:defRPr/>
               </a:pPr>
-              <a:t>7/1/2020</a:t>
+              <a:t>9/18/2020</a:t>
             </a:fld>
             <a:endParaRPr lang="en-US" dirty="0"/>
           </a:p>
@@ -6865,7 +6865,7 @@
               <a:pPr>
                 <a:defRPr/>
               </a:pPr>
-              <a:t>7/1/2020</a:t>
+              <a:t>9/18/2020</a:t>
             </a:fld>
             <a:endParaRPr lang="en-US" dirty="0"/>
           </a:p>
@@ -7575,7 +7575,7 @@
               <a:pPr>
                 <a:defRPr/>
               </a:pPr>
-              <a:t>7/1/2020</a:t>
+              <a:t>9/18/2020</a:t>
             </a:fld>
             <a:endParaRPr lang="en-US" dirty="0">
               <a:solidFill>
@@ -11273,7 +11273,7 @@
         <p:spPr>
           <a:xfrm>
             <a:off x="3810000" y="621916"/>
-            <a:ext cx="5105400" cy="4154984"/>
+            <a:ext cx="5105400" cy="4893647"/>
           </a:xfrm>
           <a:prstGeom prst="rect">
             <a:avLst/>
@@ -11317,8 +11317,80 @@
                 <a:latin typeface="Arial" charset="0"/>
                 <a:ea typeface="ＭＳ Ｐゴシック" charset="-128"/>
               </a:rPr>
-              <a:t>Step 1: Open Tutorial 8</a:t>
-            </a:r>
+              <a:t>Step 1: Open Supplement</a:t>
+            </a:r>
+          </a:p>
+          <a:p>
+            <a:pPr marL="342900" marR="0" lvl="0" indent="-342900" algn="l" defTabSz="457200" rtl="0" eaLnBrk="1" fontAlgn="base" latinLnBrk="0" hangingPunct="1">
+              <a:lnSpc>
+                <a:spcPct val="100000"/>
+              </a:lnSpc>
+              <a:spcBef>
+                <a:spcPct val="0"/>
+              </a:spcBef>
+              <a:spcAft>
+                <a:spcPct val="0"/>
+              </a:spcAft>
+              <a:buClrTx/>
+              <a:buSzTx/>
+              <a:buFont typeface="Arial" panose="020B0604020202020204" pitchFamily="34" charset="0"/>
+              <a:buChar char="•"/>
+              <a:tabLst/>
+              <a:defRPr/>
+            </a:pPr>
+            <a:endParaRPr lang="en-US" dirty="0">
+              <a:solidFill>
+                <a:srgbClr val="404040"/>
+              </a:solidFill>
+            </a:endParaRPr>
+          </a:p>
+          <a:p>
+            <a:pPr marL="342900" marR="0" lvl="0" indent="-342900" algn="l" defTabSz="457200" rtl="0" eaLnBrk="1" fontAlgn="base" latinLnBrk="0" hangingPunct="1">
+              <a:lnSpc>
+                <a:spcPct val="100000"/>
+              </a:lnSpc>
+              <a:spcBef>
+                <a:spcPct val="0"/>
+              </a:spcBef>
+              <a:spcAft>
+                <a:spcPct val="0"/>
+              </a:spcAft>
+              <a:buClrTx/>
+              <a:buSzTx/>
+              <a:buFont typeface="Arial" panose="020B0604020202020204" pitchFamily="34" charset="0"/>
+              <a:buChar char="•"/>
+              <a:tabLst/>
+              <a:defRPr/>
+            </a:pPr>
+            <a:r>
+              <a:rPr lang="en-US" dirty="0">
+                <a:solidFill>
+                  <a:srgbClr val="404040"/>
+                </a:solidFill>
+              </a:rPr>
+              <a:t>Step 2: Unzip and Open .</a:t>
+            </a:r>
+            <a:r>
+              <a:rPr lang="en-US" dirty="0" err="1">
+                <a:solidFill>
+                  <a:srgbClr val="404040"/>
+                </a:solidFill>
+              </a:rPr>
+              <a:t>Rmd</a:t>
+            </a:r>
+            <a:endParaRPr kumimoji="0" lang="en-US" sz="2400" b="0" i="0" u="none" strike="noStrike" kern="1200" cap="none" spc="0" normalizeH="0" baseline="0" noProof="0" dirty="0">
+              <a:ln>
+                <a:noFill/>
+              </a:ln>
+              <a:solidFill>
+                <a:srgbClr val="404040"/>
+              </a:solidFill>
+              <a:effectLst/>
+              <a:uLnTx/>
+              <a:uFillTx/>
+              <a:latin typeface="Arial" charset="0"/>
+              <a:ea typeface="ＭＳ Ｐゴシック" charset="-128"/>
+            </a:endParaRPr>
           </a:p>
           <a:p>
             <a:pPr marL="342900" marR="0" lvl="0" indent="-342900" algn="l" defTabSz="457200" rtl="0" eaLnBrk="1" fontAlgn="base" latinLnBrk="0" hangingPunct="1">

--- a/Lecture/Web Scraping 2/Web_Scraping_2_Lecture.pptx
+++ b/Lecture/Web Scraping 2/Web_Scraping_2_Lecture.pptx
@@ -299,7 +299,7 @@
               <a:pPr>
                 <a:defRPr/>
               </a:pPr>
-              <a:t>9/18/2020</a:t>
+              <a:t>9/22/2020</a:t>
             </a:fld>
             <a:endParaRPr lang="en-US" dirty="0"/>
           </a:p>
@@ -511,7 +511,7 @@
               <a:pPr>
                 <a:defRPr/>
               </a:pPr>
-              <a:t>9/18/2020</a:t>
+              <a:t>9/22/2020</a:t>
             </a:fld>
             <a:endParaRPr lang="en-US" dirty="0"/>
           </a:p>
@@ -1030,7 +1030,7 @@
               <a:pPr>
                 <a:defRPr/>
               </a:pPr>
-              <a:t>9/18/2020</a:t>
+              <a:t>9/22/2020</a:t>
             </a:fld>
             <a:endParaRPr lang="en-US" dirty="0"/>
           </a:p>
@@ -1220,7 +1220,7 @@
               <a:pPr>
                 <a:defRPr/>
               </a:pPr>
-              <a:t>9/18/2020</a:t>
+              <a:t>9/22/2020</a:t>
             </a:fld>
             <a:endParaRPr lang="en-US" dirty="0"/>
           </a:p>
@@ -1420,7 +1420,7 @@
               <a:pPr>
                 <a:defRPr/>
               </a:pPr>
-              <a:t>9/18/2020</a:t>
+              <a:t>9/22/2020</a:t>
             </a:fld>
             <a:endParaRPr lang="en-US" dirty="0"/>
           </a:p>
@@ -1688,7 +1688,7 @@
               <a:pPr>
                 <a:defRPr/>
               </a:pPr>
-              <a:t>9/18/2020</a:t>
+              <a:t>9/22/2020</a:t>
             </a:fld>
             <a:endParaRPr lang="en-US" dirty="0">
               <a:solidFill>
@@ -1902,7 +1902,7 @@
               <a:pPr>
                 <a:defRPr/>
               </a:pPr>
-              <a:t>9/18/2020</a:t>
+              <a:t>9/22/2020</a:t>
             </a:fld>
             <a:endParaRPr lang="en-US" dirty="0">
               <a:solidFill>
@@ -2193,7 +2193,7 @@
               <a:pPr>
                 <a:defRPr/>
               </a:pPr>
-              <a:t>9/18/2020</a:t>
+              <a:t>9/22/2020</a:t>
             </a:fld>
             <a:endParaRPr lang="en-US" dirty="0">
               <a:solidFill>
@@ -2524,7 +2524,7 @@
               <a:pPr>
                 <a:defRPr/>
               </a:pPr>
-              <a:t>9/18/2020</a:t>
+              <a:t>9/22/2020</a:t>
             </a:fld>
             <a:endParaRPr lang="en-US" dirty="0">
               <a:solidFill>
@@ -2989,7 +2989,7 @@
               <a:pPr>
                 <a:defRPr/>
               </a:pPr>
-              <a:t>9/18/2020</a:t>
+              <a:t>9/22/2020</a:t>
             </a:fld>
             <a:endParaRPr lang="en-US" dirty="0">
               <a:solidFill>
@@ -3152,7 +3152,7 @@
               <a:pPr>
                 <a:defRPr/>
               </a:pPr>
-              <a:t>9/18/2020</a:t>
+              <a:t>9/22/2020</a:t>
             </a:fld>
             <a:endParaRPr lang="en-US" dirty="0">
               <a:solidFill>
@@ -3293,7 +3293,7 @@
               <a:pPr>
                 <a:defRPr/>
               </a:pPr>
-              <a:t>9/18/2020</a:t>
+              <a:t>9/22/2020</a:t>
             </a:fld>
             <a:endParaRPr lang="en-US" dirty="0">
               <a:solidFill>
@@ -3614,7 +3614,7 @@
               <a:pPr>
                 <a:defRPr/>
               </a:pPr>
-              <a:t>9/18/2020</a:t>
+              <a:t>9/22/2020</a:t>
             </a:fld>
             <a:endParaRPr lang="en-US" dirty="0">
               <a:solidFill>
@@ -3822,7 +3822,7 @@
               <a:pPr>
                 <a:defRPr/>
               </a:pPr>
-              <a:t>9/18/2020</a:t>
+              <a:t>9/22/2020</a:t>
             </a:fld>
             <a:endParaRPr lang="en-US" dirty="0"/>
           </a:p>
@@ -4105,7 +4105,7 @@
               <a:pPr>
                 <a:defRPr/>
               </a:pPr>
-              <a:t>9/18/2020</a:t>
+              <a:t>9/22/2020</a:t>
             </a:fld>
             <a:endParaRPr lang="en-US" dirty="0">
               <a:solidFill>
@@ -4319,7 +4319,7 @@
               <a:pPr>
                 <a:defRPr/>
               </a:pPr>
-              <a:t>9/18/2020</a:t>
+              <a:t>9/22/2020</a:t>
             </a:fld>
             <a:endParaRPr lang="en-US" dirty="0">
               <a:solidFill>
@@ -4543,7 +4543,7 @@
               <a:pPr>
                 <a:defRPr/>
               </a:pPr>
-              <a:t>9/18/2020</a:t>
+              <a:t>9/22/2020</a:t>
             </a:fld>
             <a:endParaRPr lang="en-US" dirty="0">
               <a:solidFill>
@@ -4753,7 +4753,7 @@
               <a:pPr>
                 <a:defRPr/>
               </a:pPr>
-              <a:t>9/18/2020</a:t>
+              <a:t>9/22/2020</a:t>
             </a:fld>
             <a:endParaRPr lang="en-US" dirty="0">
               <a:solidFill>
@@ -5030,7 +5030,7 @@
               <a:pPr>
                 <a:defRPr/>
               </a:pPr>
-              <a:t>9/18/2020</a:t>
+              <a:t>9/22/2020</a:t>
             </a:fld>
             <a:endParaRPr lang="en-US" dirty="0"/>
           </a:p>
@@ -5337,7 +5337,7 @@
               <a:pPr>
                 <a:defRPr/>
               </a:pPr>
-              <a:t>9/18/2020</a:t>
+              <a:t>9/22/2020</a:t>
             </a:fld>
             <a:endParaRPr lang="en-US" dirty="0"/>
           </a:p>
@@ -5778,7 +5778,7 @@
               <a:pPr>
                 <a:defRPr/>
               </a:pPr>
-              <a:t>9/18/2020</a:t>
+              <a:t>9/22/2020</a:t>
             </a:fld>
             <a:endParaRPr lang="en-US" dirty="0"/>
           </a:p>
@@ -5917,7 +5917,7 @@
               <a:pPr>
                 <a:defRPr/>
               </a:pPr>
-              <a:t>9/18/2020</a:t>
+              <a:t>9/22/2020</a:t>
             </a:fld>
             <a:endParaRPr lang="en-US" dirty="0"/>
           </a:p>
@@ -6034,7 +6034,7 @@
               <a:pPr>
                 <a:defRPr/>
               </a:pPr>
-              <a:t>9/18/2020</a:t>
+              <a:t>9/22/2020</a:t>
             </a:fld>
             <a:endParaRPr lang="en-US" dirty="0"/>
           </a:p>
@@ -6331,7 +6331,7 @@
               <a:pPr>
                 <a:defRPr/>
               </a:pPr>
-              <a:t>9/18/2020</a:t>
+              <a:t>9/22/2020</a:t>
             </a:fld>
             <a:endParaRPr lang="en-US" dirty="0"/>
           </a:p>
@@ -6608,7 +6608,7 @@
               <a:pPr>
                 <a:defRPr/>
               </a:pPr>
-              <a:t>9/18/2020</a:t>
+              <a:t>9/22/2020</a:t>
             </a:fld>
             <a:endParaRPr lang="en-US" dirty="0"/>
           </a:p>
@@ -6865,7 +6865,7 @@
               <a:pPr>
                 <a:defRPr/>
               </a:pPr>
-              <a:t>9/18/2020</a:t>
+              <a:t>9/22/2020</a:t>
             </a:fld>
             <a:endParaRPr lang="en-US" dirty="0"/>
           </a:p>
@@ -7575,7 +7575,7 @@
               <a:pPr>
                 <a:defRPr/>
               </a:pPr>
-              <a:t>9/18/2020</a:t>
+              <a:t>9/22/2020</a:t>
             </a:fld>
             <a:endParaRPr lang="en-US" dirty="0">
               <a:solidFill>
@@ -12371,10 +12371,10 @@
       </p:sp>
       <p:pic>
         <p:nvPicPr>
-          <p:cNvPr id="5" name="Picture 4">
+          <p:cNvPr id="3" name="Picture 2">
             <a:extLst>
               <a:ext uri="{FF2B5EF4-FFF2-40B4-BE49-F238E27FC236}">
-                <a16:creationId xmlns:a16="http://schemas.microsoft.com/office/drawing/2014/main" id="{F933E6ED-A14C-42F4-9934-E1A039439A3D}"/>
+                <a16:creationId xmlns:a16="http://schemas.microsoft.com/office/drawing/2014/main" id="{5F42E219-1F83-4EFD-91A4-346587D621BA}"/>
               </a:ext>
             </a:extLst>
           </p:cNvPr>
@@ -12391,8 +12391,8 @@
         </p:blipFill>
         <p:spPr>
           <a:xfrm>
-            <a:off x="3631524" y="1442124"/>
-            <a:ext cx="5399646" cy="2291676"/>
+            <a:off x="3581400" y="1524856"/>
+            <a:ext cx="5486811" cy="2285144"/>
           </a:xfrm>
           <a:prstGeom prst="rect">
             <a:avLst/>
@@ -12667,7 +12667,7 @@
         <p:spPr>
           <a:xfrm>
             <a:off x="3810000" y="621916"/>
-            <a:ext cx="5273842" cy="6740307"/>
+            <a:ext cx="5273842" cy="6001643"/>
           </a:xfrm>
           <a:prstGeom prst="rect">
             <a:avLst/>
@@ -12835,43 +12835,7 @@
             </a:r>
           </a:p>
           <a:p>
-            <a:pPr marL="342900" indent="-342900">
-              <a:buFont typeface="Arial" panose="020B0604020202020204" pitchFamily="34" charset="0"/>
-              <a:buChar char="•"/>
-            </a:pPr>
-            <a:endParaRPr lang="en-US" dirty="0">
-              <a:solidFill>
-                <a:srgbClr val="404040"/>
-              </a:solidFill>
-            </a:endParaRPr>
-          </a:p>
-          <a:p>
-            <a:pPr marL="800100" lvl="1" indent="-342900">
-              <a:buFont typeface="Arial" panose="020B0604020202020204" pitchFamily="34" charset="0"/>
-              <a:buChar char="•"/>
-            </a:pPr>
-            <a:r>
-              <a:rPr kumimoji="0" lang="en-US" b="0" i="0" u="none" strike="noStrike" kern="1200" cap="none" spc="0" normalizeH="0" baseline="0" noProof="0" dirty="0">
-                <a:ln>
-                  <a:noFill/>
-                </a:ln>
-                <a:solidFill>
-                  <a:srgbClr val="404040"/>
-                </a:solidFill>
-                <a:effectLst/>
-                <a:uLnTx/>
-                <a:uFillTx/>
-                <a:latin typeface="Arial" charset="0"/>
-                <a:ea typeface="ＭＳ Ｐゴシック" charset="-128"/>
-              </a:rPr>
-              <a:t>Notice: /.*</a:t>
-            </a:r>
-          </a:p>
-          <a:p>
-            <a:pPr marL="800100" lvl="1" indent="-342900">
-              <a:buFont typeface="Arial" panose="020B0604020202020204" pitchFamily="34" charset="0"/>
-              <a:buChar char="•"/>
-            </a:pPr>
+            <a:pPr lvl="1"/>
             <a:endParaRPr kumimoji="0" lang="en-US" b="0" i="0" u="none" strike="noStrike" kern="1200" cap="none" spc="0" normalizeH="0" baseline="0" noProof="0" dirty="0">
               <a:ln>
                 <a:noFill/>

--- a/Lecture/Web Scraping 2/Web_Scraping_2_Lecture.pptx
+++ b/Lecture/Web Scraping 2/Web_Scraping_2_Lecture.pptx
@@ -299,7 +299,7 @@
               <a:pPr>
                 <a:defRPr/>
               </a:pPr>
-              <a:t>9/22/2020</a:t>
+              <a:t>7/8/2021</a:t>
             </a:fld>
             <a:endParaRPr lang="en-US" dirty="0"/>
           </a:p>
@@ -511,7 +511,7 @@
               <a:pPr>
                 <a:defRPr/>
               </a:pPr>
-              <a:t>9/22/2020</a:t>
+              <a:t>7/8/2021</a:t>
             </a:fld>
             <a:endParaRPr lang="en-US" dirty="0"/>
           </a:p>
@@ -1030,7 +1030,7 @@
               <a:pPr>
                 <a:defRPr/>
               </a:pPr>
-              <a:t>9/22/2020</a:t>
+              <a:t>7/8/2021</a:t>
             </a:fld>
             <a:endParaRPr lang="en-US" dirty="0"/>
           </a:p>
@@ -1220,7 +1220,7 @@
               <a:pPr>
                 <a:defRPr/>
               </a:pPr>
-              <a:t>9/22/2020</a:t>
+              <a:t>7/8/2021</a:t>
             </a:fld>
             <a:endParaRPr lang="en-US" dirty="0"/>
           </a:p>
@@ -1420,7 +1420,7 @@
               <a:pPr>
                 <a:defRPr/>
               </a:pPr>
-              <a:t>9/22/2020</a:t>
+              <a:t>7/8/2021</a:t>
             </a:fld>
             <a:endParaRPr lang="en-US" dirty="0"/>
           </a:p>
@@ -1688,7 +1688,7 @@
               <a:pPr>
                 <a:defRPr/>
               </a:pPr>
-              <a:t>9/22/2020</a:t>
+              <a:t>7/8/2021</a:t>
             </a:fld>
             <a:endParaRPr lang="en-US" dirty="0">
               <a:solidFill>
@@ -1902,7 +1902,7 @@
               <a:pPr>
                 <a:defRPr/>
               </a:pPr>
-              <a:t>9/22/2020</a:t>
+              <a:t>7/8/2021</a:t>
             </a:fld>
             <a:endParaRPr lang="en-US" dirty="0">
               <a:solidFill>
@@ -2193,7 +2193,7 @@
               <a:pPr>
                 <a:defRPr/>
               </a:pPr>
-              <a:t>9/22/2020</a:t>
+              <a:t>7/8/2021</a:t>
             </a:fld>
             <a:endParaRPr lang="en-US" dirty="0">
               <a:solidFill>
@@ -2524,7 +2524,7 @@
               <a:pPr>
                 <a:defRPr/>
               </a:pPr>
-              <a:t>9/22/2020</a:t>
+              <a:t>7/8/2021</a:t>
             </a:fld>
             <a:endParaRPr lang="en-US" dirty="0">
               <a:solidFill>
@@ -2989,7 +2989,7 @@
               <a:pPr>
                 <a:defRPr/>
               </a:pPr>
-              <a:t>9/22/2020</a:t>
+              <a:t>7/8/2021</a:t>
             </a:fld>
             <a:endParaRPr lang="en-US" dirty="0">
               <a:solidFill>
@@ -3152,7 +3152,7 @@
               <a:pPr>
                 <a:defRPr/>
               </a:pPr>
-              <a:t>9/22/2020</a:t>
+              <a:t>7/8/2021</a:t>
             </a:fld>
             <a:endParaRPr lang="en-US" dirty="0">
               <a:solidFill>
@@ -3293,7 +3293,7 @@
               <a:pPr>
                 <a:defRPr/>
               </a:pPr>
-              <a:t>9/22/2020</a:t>
+              <a:t>7/8/2021</a:t>
             </a:fld>
             <a:endParaRPr lang="en-US" dirty="0">
               <a:solidFill>
@@ -3614,7 +3614,7 @@
               <a:pPr>
                 <a:defRPr/>
               </a:pPr>
-              <a:t>9/22/2020</a:t>
+              <a:t>7/8/2021</a:t>
             </a:fld>
             <a:endParaRPr lang="en-US" dirty="0">
               <a:solidFill>
@@ -3822,7 +3822,7 @@
               <a:pPr>
                 <a:defRPr/>
               </a:pPr>
-              <a:t>9/22/2020</a:t>
+              <a:t>7/8/2021</a:t>
             </a:fld>
             <a:endParaRPr lang="en-US" dirty="0"/>
           </a:p>
@@ -4105,7 +4105,7 @@
               <a:pPr>
                 <a:defRPr/>
               </a:pPr>
-              <a:t>9/22/2020</a:t>
+              <a:t>7/8/2021</a:t>
             </a:fld>
             <a:endParaRPr lang="en-US" dirty="0">
               <a:solidFill>
@@ -4319,7 +4319,7 @@
               <a:pPr>
                 <a:defRPr/>
               </a:pPr>
-              <a:t>9/22/2020</a:t>
+              <a:t>7/8/2021</a:t>
             </a:fld>
             <a:endParaRPr lang="en-US" dirty="0">
               <a:solidFill>
@@ -4543,7 +4543,7 @@
               <a:pPr>
                 <a:defRPr/>
               </a:pPr>
-              <a:t>9/22/2020</a:t>
+              <a:t>7/8/2021</a:t>
             </a:fld>
             <a:endParaRPr lang="en-US" dirty="0">
               <a:solidFill>
@@ -4753,7 +4753,7 @@
               <a:pPr>
                 <a:defRPr/>
               </a:pPr>
-              <a:t>9/22/2020</a:t>
+              <a:t>7/8/2021</a:t>
             </a:fld>
             <a:endParaRPr lang="en-US" dirty="0">
               <a:solidFill>
@@ -5030,7 +5030,7 @@
               <a:pPr>
                 <a:defRPr/>
               </a:pPr>
-              <a:t>9/22/2020</a:t>
+              <a:t>7/8/2021</a:t>
             </a:fld>
             <a:endParaRPr lang="en-US" dirty="0"/>
           </a:p>
@@ -5337,7 +5337,7 @@
               <a:pPr>
                 <a:defRPr/>
               </a:pPr>
-              <a:t>9/22/2020</a:t>
+              <a:t>7/8/2021</a:t>
             </a:fld>
             <a:endParaRPr lang="en-US" dirty="0"/>
           </a:p>
@@ -5778,7 +5778,7 @@
               <a:pPr>
                 <a:defRPr/>
               </a:pPr>
-              <a:t>9/22/2020</a:t>
+              <a:t>7/8/2021</a:t>
             </a:fld>
             <a:endParaRPr lang="en-US" dirty="0"/>
           </a:p>
@@ -5917,7 +5917,7 @@
               <a:pPr>
                 <a:defRPr/>
               </a:pPr>
-              <a:t>9/22/2020</a:t>
+              <a:t>7/8/2021</a:t>
             </a:fld>
             <a:endParaRPr lang="en-US" dirty="0"/>
           </a:p>
@@ -6034,7 +6034,7 @@
               <a:pPr>
                 <a:defRPr/>
               </a:pPr>
-              <a:t>9/22/2020</a:t>
+              <a:t>7/8/2021</a:t>
             </a:fld>
             <a:endParaRPr lang="en-US" dirty="0"/>
           </a:p>
@@ -6331,7 +6331,7 @@
               <a:pPr>
                 <a:defRPr/>
               </a:pPr>
-              <a:t>9/22/2020</a:t>
+              <a:t>7/8/2021</a:t>
             </a:fld>
             <a:endParaRPr lang="en-US" dirty="0"/>
           </a:p>
@@ -6608,7 +6608,7 @@
               <a:pPr>
                 <a:defRPr/>
               </a:pPr>
-              <a:t>9/22/2020</a:t>
+              <a:t>7/8/2021</a:t>
             </a:fld>
             <a:endParaRPr lang="en-US" dirty="0"/>
           </a:p>
@@ -6865,7 +6865,7 @@
               <a:pPr>
                 <a:defRPr/>
               </a:pPr>
-              <a:t>9/22/2020</a:t>
+              <a:t>7/8/2021</a:t>
             </a:fld>
             <a:endParaRPr lang="en-US" dirty="0"/>
           </a:p>
@@ -7575,7 +7575,7 @@
               <a:pPr>
                 <a:defRPr/>
               </a:pPr>
-              <a:t>9/22/2020</a:t>
+              <a:t>7/8/2021</a:t>
             </a:fld>
             <a:endParaRPr lang="en-US" dirty="0">
               <a:solidFill>
@@ -10904,7 +10904,7 @@
                   <a:srgbClr val="404040"/>
                 </a:solidFill>
               </a:rPr>
-              <a:t>Final 3 Data </a:t>
+              <a:t>Final 3 Data Frames From </a:t>
             </a:r>
             <a:r>
               <a:rPr lang="en-US">
@@ -10912,7 +10912,7 @@
                   <a:srgbClr val="404040"/>
                 </a:solidFill>
               </a:rPr>
-              <a:t>Frames From Last    Tutorial Should </a:t>
+              <a:t>Last    Lecture </a:t>
             </a:r>
             <a:r>
               <a:rPr lang="en-US" dirty="0">
@@ -10920,7 +10920,7 @@
                   <a:srgbClr val="404040"/>
                 </a:solidFill>
               </a:rPr>
-              <a:t>All Be Saved to CSV’s on PC</a:t>
+              <a:t>Should All Be Saved to CSV’s on PC</a:t>
             </a:r>
           </a:p>
           <a:p>
@@ -11202,7 +11202,7 @@
                 <a:ea typeface="+mj-ea"/>
                 <a:cs typeface="+mj-cs"/>
               </a:rPr>
-              <a:t>Tutorial 8</a:t>
+              <a:t>Supplement</a:t>
             </a:r>
             <a:br>
               <a:rPr lang="en-US" sz="2400" kern="1200" dirty="0">

--- a/Lecture/Web Scraping 2/Web_Scraping_2_Lecture.pptx
+++ b/Lecture/Web Scraping 2/Web_Scraping_2_Lecture.pptx
@@ -299,7 +299,7 @@
               <a:pPr>
                 <a:defRPr/>
               </a:pPr>
-              <a:t>7/8/2021</a:t>
+              <a:t>7/5/2023</a:t>
             </a:fld>
             <a:endParaRPr lang="en-US" dirty="0"/>
           </a:p>
@@ -511,7 +511,7 @@
               <a:pPr>
                 <a:defRPr/>
               </a:pPr>
-              <a:t>7/8/2021</a:t>
+              <a:t>7/5/2023</a:t>
             </a:fld>
             <a:endParaRPr lang="en-US" dirty="0"/>
           </a:p>
@@ -1030,7 +1030,7 @@
               <a:pPr>
                 <a:defRPr/>
               </a:pPr>
-              <a:t>7/8/2021</a:t>
+              <a:t>7/5/2023</a:t>
             </a:fld>
             <a:endParaRPr lang="en-US" dirty="0"/>
           </a:p>
@@ -1220,7 +1220,7 @@
               <a:pPr>
                 <a:defRPr/>
               </a:pPr>
-              <a:t>7/8/2021</a:t>
+              <a:t>7/5/2023</a:t>
             </a:fld>
             <a:endParaRPr lang="en-US" dirty="0"/>
           </a:p>
@@ -1420,7 +1420,7 @@
               <a:pPr>
                 <a:defRPr/>
               </a:pPr>
-              <a:t>7/8/2021</a:t>
+              <a:t>7/5/2023</a:t>
             </a:fld>
             <a:endParaRPr lang="en-US" dirty="0"/>
           </a:p>
@@ -1688,7 +1688,7 @@
               <a:pPr>
                 <a:defRPr/>
               </a:pPr>
-              <a:t>7/8/2021</a:t>
+              <a:t>7/5/2023</a:t>
             </a:fld>
             <a:endParaRPr lang="en-US" dirty="0">
               <a:solidFill>
@@ -1902,7 +1902,7 @@
               <a:pPr>
                 <a:defRPr/>
               </a:pPr>
-              <a:t>7/8/2021</a:t>
+              <a:t>7/5/2023</a:t>
             </a:fld>
             <a:endParaRPr lang="en-US" dirty="0">
               <a:solidFill>
@@ -2193,7 +2193,7 @@
               <a:pPr>
                 <a:defRPr/>
               </a:pPr>
-              <a:t>7/8/2021</a:t>
+              <a:t>7/5/2023</a:t>
             </a:fld>
             <a:endParaRPr lang="en-US" dirty="0">
               <a:solidFill>
@@ -2524,7 +2524,7 @@
               <a:pPr>
                 <a:defRPr/>
               </a:pPr>
-              <a:t>7/8/2021</a:t>
+              <a:t>7/5/2023</a:t>
             </a:fld>
             <a:endParaRPr lang="en-US" dirty="0">
               <a:solidFill>
@@ -2989,7 +2989,7 @@
               <a:pPr>
                 <a:defRPr/>
               </a:pPr>
-              <a:t>7/8/2021</a:t>
+              <a:t>7/5/2023</a:t>
             </a:fld>
             <a:endParaRPr lang="en-US" dirty="0">
               <a:solidFill>
@@ -3152,7 +3152,7 @@
               <a:pPr>
                 <a:defRPr/>
               </a:pPr>
-              <a:t>7/8/2021</a:t>
+              <a:t>7/5/2023</a:t>
             </a:fld>
             <a:endParaRPr lang="en-US" dirty="0">
               <a:solidFill>
@@ -3293,7 +3293,7 @@
               <a:pPr>
                 <a:defRPr/>
               </a:pPr>
-              <a:t>7/8/2021</a:t>
+              <a:t>7/5/2023</a:t>
             </a:fld>
             <a:endParaRPr lang="en-US" dirty="0">
               <a:solidFill>
@@ -3614,7 +3614,7 @@
               <a:pPr>
                 <a:defRPr/>
               </a:pPr>
-              <a:t>7/8/2021</a:t>
+              <a:t>7/5/2023</a:t>
             </a:fld>
             <a:endParaRPr lang="en-US" dirty="0">
               <a:solidFill>
@@ -3822,7 +3822,7 @@
               <a:pPr>
                 <a:defRPr/>
               </a:pPr>
-              <a:t>7/8/2021</a:t>
+              <a:t>7/5/2023</a:t>
             </a:fld>
             <a:endParaRPr lang="en-US" dirty="0"/>
           </a:p>
@@ -4105,7 +4105,7 @@
               <a:pPr>
                 <a:defRPr/>
               </a:pPr>
-              <a:t>7/8/2021</a:t>
+              <a:t>7/5/2023</a:t>
             </a:fld>
             <a:endParaRPr lang="en-US" dirty="0">
               <a:solidFill>
@@ -4319,7 +4319,7 @@
               <a:pPr>
                 <a:defRPr/>
               </a:pPr>
-              <a:t>7/8/2021</a:t>
+              <a:t>7/5/2023</a:t>
             </a:fld>
             <a:endParaRPr lang="en-US" dirty="0">
               <a:solidFill>
@@ -4543,7 +4543,7 @@
               <a:pPr>
                 <a:defRPr/>
               </a:pPr>
-              <a:t>7/8/2021</a:t>
+              <a:t>7/5/2023</a:t>
             </a:fld>
             <a:endParaRPr lang="en-US" dirty="0">
               <a:solidFill>
@@ -4753,7 +4753,7 @@
               <a:pPr>
                 <a:defRPr/>
               </a:pPr>
-              <a:t>7/8/2021</a:t>
+              <a:t>7/5/2023</a:t>
             </a:fld>
             <a:endParaRPr lang="en-US" dirty="0">
               <a:solidFill>
@@ -5030,7 +5030,7 @@
               <a:pPr>
                 <a:defRPr/>
               </a:pPr>
-              <a:t>7/8/2021</a:t>
+              <a:t>7/5/2023</a:t>
             </a:fld>
             <a:endParaRPr lang="en-US" dirty="0"/>
           </a:p>
@@ -5337,7 +5337,7 @@
               <a:pPr>
                 <a:defRPr/>
               </a:pPr>
-              <a:t>7/8/2021</a:t>
+              <a:t>7/5/2023</a:t>
             </a:fld>
             <a:endParaRPr lang="en-US" dirty="0"/>
           </a:p>
@@ -5778,7 +5778,7 @@
               <a:pPr>
                 <a:defRPr/>
               </a:pPr>
-              <a:t>7/8/2021</a:t>
+              <a:t>7/5/2023</a:t>
             </a:fld>
             <a:endParaRPr lang="en-US" dirty="0"/>
           </a:p>
@@ -5917,7 +5917,7 @@
               <a:pPr>
                 <a:defRPr/>
               </a:pPr>
-              <a:t>7/8/2021</a:t>
+              <a:t>7/5/2023</a:t>
             </a:fld>
             <a:endParaRPr lang="en-US" dirty="0"/>
           </a:p>
@@ -6034,7 +6034,7 @@
               <a:pPr>
                 <a:defRPr/>
               </a:pPr>
-              <a:t>7/8/2021</a:t>
+              <a:t>7/5/2023</a:t>
             </a:fld>
             <a:endParaRPr lang="en-US" dirty="0"/>
           </a:p>
@@ -6331,7 +6331,7 @@
               <a:pPr>
                 <a:defRPr/>
               </a:pPr>
-              <a:t>7/8/2021</a:t>
+              <a:t>7/5/2023</a:t>
             </a:fld>
             <a:endParaRPr lang="en-US" dirty="0"/>
           </a:p>
@@ -6608,7 +6608,7 @@
               <a:pPr>
                 <a:defRPr/>
               </a:pPr>
-              <a:t>7/8/2021</a:t>
+              <a:t>7/5/2023</a:t>
             </a:fld>
             <a:endParaRPr lang="en-US" dirty="0"/>
           </a:p>
@@ -6865,7 +6865,7 @@
               <a:pPr>
                 <a:defRPr/>
               </a:pPr>
-              <a:t>7/8/2021</a:t>
+              <a:t>7/5/2023</a:t>
             </a:fld>
             <a:endParaRPr lang="en-US" dirty="0"/>
           </a:p>
@@ -7575,7 +7575,7 @@
               <a:pPr>
                 <a:defRPr/>
               </a:pPr>
-              <a:t>7/8/2021</a:t>
+              <a:t>7/5/2023</a:t>
             </a:fld>
             <a:endParaRPr lang="en-US" dirty="0">
               <a:solidFill>
@@ -12371,10 +12371,10 @@
       </p:sp>
       <p:pic>
         <p:nvPicPr>
-          <p:cNvPr id="3" name="Picture 2">
+          <p:cNvPr id="5" name="Picture 4">
             <a:extLst>
               <a:ext uri="{FF2B5EF4-FFF2-40B4-BE49-F238E27FC236}">
-                <a16:creationId xmlns:a16="http://schemas.microsoft.com/office/drawing/2014/main" id="{5F42E219-1F83-4EFD-91A4-346587D621BA}"/>
+                <a16:creationId xmlns:a16="http://schemas.microsoft.com/office/drawing/2014/main" id="{9F01BF1C-04C8-CDB6-9123-155E8DD95796}"/>
               </a:ext>
             </a:extLst>
           </p:cNvPr>
@@ -12391,32 +12391,18 @@
         </p:blipFill>
         <p:spPr>
           <a:xfrm>
-            <a:off x="3581400" y="1524856"/>
-            <a:ext cx="5486811" cy="2285144"/>
+            <a:off x="4343400" y="1524000"/>
+            <a:ext cx="3976163" cy="2310295"/>
           </a:xfrm>
           <a:prstGeom prst="rect">
             <a:avLst/>
           </a:prstGeom>
-          <a:ln>
+          <a:ln w="38100">
             <a:solidFill>
               <a:srgbClr val="404040"/>
             </a:solidFill>
           </a:ln>
         </p:spPr>
-        <p:style>
-          <a:lnRef idx="2">
-            <a:schemeClr val="dk1"/>
-          </a:lnRef>
-          <a:fillRef idx="1">
-            <a:schemeClr val="lt1"/>
-          </a:fillRef>
-          <a:effectRef idx="0">
-            <a:schemeClr val="dk1"/>
-          </a:effectRef>
-          <a:fontRef idx="minor">
-            <a:schemeClr val="dk1"/>
-          </a:fontRef>
-        </p:style>
       </p:pic>
     </p:spTree>
     <p:custDataLst>
@@ -12667,7 +12653,7 @@
         <p:spPr>
           <a:xfrm>
             <a:off x="3810000" y="621916"/>
-            <a:ext cx="5273842" cy="6001643"/>
+            <a:ext cx="5273842" cy="5262979"/>
           </a:xfrm>
           <a:prstGeom prst="rect">
             <a:avLst/>
@@ -12757,7 +12743,7 @@
                   <a:srgbClr val="404040"/>
                 </a:solidFill>
               </a:rPr>
-              <a:t>What is required to convert the Percentage Change to a numeric variable?</a:t>
+              <a:t>What is required to create a Percentage Change variable?</a:t>
             </a:r>
           </a:p>
           <a:p>
@@ -12790,7 +12776,7 @@
                   <a:srgbClr val="404040"/>
                 </a:solidFill>
               </a:rPr>
-              <a:t>What is required to convert the 2019 Density to a numeric variable?</a:t>
+              <a:t>What is required to create a Population Density variable?</a:t>
             </a:r>
           </a:p>
           <a:p>
